--- a/HRAPP - Putting all together - Final.pptx
+++ b/HRAPP - Putting all together - Final.pptx
@@ -227,7 +227,7 @@
           <a:p>
             <a:fld id="{4F94E7C4-328C-457B-8CA2-EE381C323794}" type="datetimeFigureOut">
               <a:rPr lang="en-US" smtClean="0"/>
-              <a:t>7/23/2017</a:t>
+              <a:t>7/24/2017</a:t>
             </a:fld>
             <a:endParaRPr lang="en-US"/>
           </a:p>
@@ -2451,7 +2451,7 @@
             <a:fld id="{0DDD1723-F08C-BC4A-A158-087EDAF93B47}" type="datetimeFigureOut">
               <a:rPr lang="en-US"/>
               <a:pPr/>
-              <a:t>7/23/2017</a:t>
+              <a:t>7/24/2017</a:t>
             </a:fld>
             <a:endParaRPr lang="en-US"/>
           </a:p>
@@ -6053,7 +6053,7 @@
         <p:spPr>
           <a:xfrm>
             <a:off x="3089222" y="5329770"/>
-            <a:ext cx="5267789" cy="307777"/>
+            <a:ext cx="5665333" cy="307777"/>
           </a:xfrm>
           <a:prstGeom prst="rect">
             <a:avLst/>
@@ -6068,15 +6068,23 @@
           <a:p>
             <a:r>
               <a:rPr lang="en-US" sz="1400" dirty="0" smtClean="0"/>
-              <a:t>Ensure you have the correct </a:t>
+              <a:t>Ensure that </a:t>
+            </a:r>
+            <a:r>
+              <a:rPr lang="en-US" sz="1400" dirty="0" smtClean="0"/>
+              <a:t>you have the correct </a:t>
             </a:r>
             <a:r>
               <a:rPr lang="en-US" sz="1400" dirty="0" err="1" smtClean="0"/>
-              <a:t>urlPath</a:t>
+              <a:t>url</a:t>
             </a:r>
             <a:r>
               <a:rPr lang="en-US" sz="1400" dirty="0" smtClean="0"/>
-              <a:t> to your backend application</a:t>
+              <a:t> path </a:t>
+            </a:r>
+            <a:r>
+              <a:rPr lang="en-US" sz="1400" dirty="0" smtClean="0"/>
+              <a:t>to your backend application</a:t>
             </a:r>
             <a:endParaRPr lang="en-US" sz="1400" dirty="0"/>
           </a:p>
@@ -6500,7 +6508,11 @@
           <a:p>
             <a:r>
               <a:rPr lang="en-US" dirty="0" smtClean="0"/>
-              <a:t>Ensure you start </a:t>
+              <a:t>Ensure </a:t>
+            </a:r>
+            <a:r>
+              <a:rPr lang="en-US" dirty="0" smtClean="0"/>
+              <a:t>that you have started </a:t>
             </a:r>
             <a:r>
               <a:rPr lang="en-US" dirty="0" err="1" smtClean="0"/>
@@ -6820,11 +6832,23 @@
           <a:p>
             <a:r>
               <a:rPr lang="en-US" dirty="0" smtClean="0"/>
-              <a:t>Ensure you </a:t>
+              <a:t>Ensure </a:t>
             </a:r>
             <a:r>
               <a:rPr lang="en-US" dirty="0" smtClean="0"/>
-              <a:t>renamed also the parameters name from </a:t>
+              <a:t>that you </a:t>
+            </a:r>
+            <a:r>
+              <a:rPr lang="en-US" dirty="0" smtClean="0"/>
+              <a:t>renamed </a:t>
+            </a:r>
+            <a:r>
+              <a:rPr lang="en-US" dirty="0" smtClean="0"/>
+              <a:t>the </a:t>
+            </a:r>
+            <a:r>
+              <a:rPr lang="en-US" dirty="0" smtClean="0"/>
+              <a:t>parameters name from </a:t>
             </a:r>
             <a:r>
               <a:rPr lang="en-US" altLang="en-US" dirty="0" smtClean="0">
@@ -6850,7 +6874,6 @@
               <a:rPr lang="en-US" dirty="0" smtClean="0"/>
               <a:t> </a:t>
             </a:r>
-            <a:endParaRPr lang="en-US" dirty="0" smtClean="0"/>
           </a:p>
           <a:p>
             <a:endParaRPr lang="en-US" dirty="0"/>
@@ -19318,12 +19341,12 @@
 </file>
 
 <file path=customXml/item1.xml><?xml version="1.0" encoding="utf-8"?>
-<?mso-contentType ?>
-<FormTemplates xmlns="http://schemas.microsoft.com/sharepoint/v3/contenttype/forms">
-  <Display>DocumentLibraryForm</Display>
-  <Edit>DocumentLibraryForm</Edit>
-  <New>DocumentLibraryForm</New>
-</FormTemplates>
+<p:properties xmlns:p="http://schemas.microsoft.com/office/2006/metadata/properties" xmlns:xsi="http://www.w3.org/2001/XMLSchema-instance" xmlns:pc="http://schemas.microsoft.com/office/infopath/2007/PartnerControls">
+  <documentManagement>
+    <PublishingExpirationDate xmlns="http://schemas.microsoft.com/sharepoint/v3" xsi:nil="true"/>
+    <PublishingStartDate xmlns="http://schemas.microsoft.com/sharepoint/v3" xsi:nil="true"/>
+  </documentManagement>
+</p:properties>
 </file>
 
 <file path=customXml/item2.xml><?xml version="1.0" encoding="utf-8"?>
@@ -19459,18 +19482,26 @@
 </file>
 
 <file path=customXml/item3.xml><?xml version="1.0" encoding="utf-8"?>
-<p:properties xmlns:p="http://schemas.microsoft.com/office/2006/metadata/properties" xmlns:xsi="http://www.w3.org/2001/XMLSchema-instance" xmlns:pc="http://schemas.microsoft.com/office/infopath/2007/PartnerControls">
-  <documentManagement>
-    <PublishingExpirationDate xmlns="http://schemas.microsoft.com/sharepoint/v3" xsi:nil="true"/>
-    <PublishingStartDate xmlns="http://schemas.microsoft.com/sharepoint/v3" xsi:nil="true"/>
-  </documentManagement>
-</p:properties>
+<?mso-contentType ?>
+<FormTemplates xmlns="http://schemas.microsoft.com/sharepoint/v3/contenttype/forms">
+  <Display>DocumentLibraryForm</Display>
+  <Edit>DocumentLibraryForm</Edit>
+  <New>DocumentLibraryForm</New>
+</FormTemplates>
 </file>
 
 <file path=customXml/itemProps1.xml><?xml version="1.0" encoding="utf-8"?>
-<ds:datastoreItem xmlns:ds="http://schemas.openxmlformats.org/officeDocument/2006/customXml" ds:itemID="{B3E8851E-A513-4DE1-BFEA-60B7444A3522}">
+<ds:datastoreItem xmlns:ds="http://schemas.openxmlformats.org/officeDocument/2006/customXml" ds:itemID="{C1424CC9-255C-4972-B5F2-6F19B32F3DEA}">
   <ds:schemaRefs>
-    <ds:schemaRef ds:uri="http://schemas.microsoft.com/sharepoint/v3/contenttype/forms"/>
+    <ds:schemaRef ds:uri="http://schemas.microsoft.com/sharepoint/v3"/>
+    <ds:schemaRef ds:uri="http://purl.org/dc/terms/"/>
+    <ds:schemaRef ds:uri="http://schemas.openxmlformats.org/package/2006/metadata/core-properties"/>
+    <ds:schemaRef ds:uri="http://purl.org/dc/elements/1.1/"/>
+    <ds:schemaRef ds:uri="http://schemas.microsoft.com/office/2006/documentManagement/types"/>
+    <ds:schemaRef ds:uri="http://www.w3.org/XML/1998/namespace"/>
+    <ds:schemaRef ds:uri="http://purl.org/dc/dcmitype/"/>
+    <ds:schemaRef ds:uri="http://schemas.microsoft.com/office/infopath/2007/PartnerControls"/>
+    <ds:schemaRef ds:uri="http://schemas.microsoft.com/office/2006/metadata/properties"/>
   </ds:schemaRefs>
 </ds:datastoreItem>
 </file>
@@ -19494,17 +19525,9 @@
 </file>
 
 <file path=customXml/itemProps3.xml><?xml version="1.0" encoding="utf-8"?>
-<ds:datastoreItem xmlns:ds="http://schemas.openxmlformats.org/officeDocument/2006/customXml" ds:itemID="{C1424CC9-255C-4972-B5F2-6F19B32F3DEA}">
+<ds:datastoreItem xmlns:ds="http://schemas.openxmlformats.org/officeDocument/2006/customXml" ds:itemID="{B3E8851E-A513-4DE1-BFEA-60B7444A3522}">
   <ds:schemaRefs>
-    <ds:schemaRef ds:uri="http://schemas.microsoft.com/sharepoint/v3"/>
-    <ds:schemaRef ds:uri="http://purl.org/dc/terms/"/>
-    <ds:schemaRef ds:uri="http://schemas.openxmlformats.org/package/2006/metadata/core-properties"/>
-    <ds:schemaRef ds:uri="http://purl.org/dc/elements/1.1/"/>
-    <ds:schemaRef ds:uri="http://schemas.microsoft.com/office/2006/documentManagement/types"/>
-    <ds:schemaRef ds:uri="http://www.w3.org/XML/1998/namespace"/>
-    <ds:schemaRef ds:uri="http://purl.org/dc/dcmitype/"/>
-    <ds:schemaRef ds:uri="http://schemas.microsoft.com/office/infopath/2007/PartnerControls"/>
-    <ds:schemaRef ds:uri="http://schemas.microsoft.com/office/2006/metadata/properties"/>
+    <ds:schemaRef ds:uri="http://schemas.microsoft.com/sharepoint/v3/contenttype/forms"/>
   </ds:schemaRefs>
 </ds:datastoreItem>
 </file>
--- a/HRAPP - Putting all together - Final.pptx
+++ b/HRAPP - Putting all together - Final.pptx
@@ -2981,7 +2981,7 @@
         <p:spPr>
           <a:xfrm>
             <a:off x="873303" y="766826"/>
-            <a:ext cx="4146753" cy="593092"/>
+            <a:ext cx="4742493" cy="593092"/>
           </a:xfrm>
           <a:prstGeom prst="rect">
             <a:avLst/>
@@ -3013,12 +3013,10 @@
           <a:p>
             <a:r>
               <a:rPr lang="en-US" dirty="0"/>
-              <a:t>R</a:t>
-            </a:r>
-            <a:r>
-              <a:rPr lang="en-US" dirty="0" smtClean="0"/>
-              <a:t>emember</a:t>
-            </a:r>
+              <a:t>Complete the application</a:t>
+            </a:r>
+          </a:p>
+          <a:p>
             <a:endParaRPr lang="en-US" dirty="0"/>
           </a:p>
         </p:txBody>
@@ -3084,7 +3082,7 @@
         <p:spPr bwMode="auto">
           <a:xfrm>
             <a:off x="3174520" y="1315827"/>
-            <a:ext cx="5097195" cy="4339650"/>
+            <a:ext cx="5580035" cy="4339650"/>
           </a:xfrm>
           <a:prstGeom prst="rect">
             <a:avLst/>
@@ -6052,7 +6050,7 @@
         </p:nvSpPr>
         <p:spPr>
           <a:xfrm>
-            <a:off x="3089222" y="5329770"/>
+            <a:off x="3174520" y="5354972"/>
             <a:ext cx="5665333" cy="307777"/>
           </a:xfrm>
           <a:prstGeom prst="rect">
@@ -6068,11 +6066,7 @@
           <a:p>
             <a:r>
               <a:rPr lang="en-US" sz="1400" dirty="0" smtClean="0"/>
-              <a:t>Ensure that </a:t>
-            </a:r>
-            <a:r>
-              <a:rPr lang="en-US" sz="1400" dirty="0" smtClean="0"/>
-              <a:t>you have the correct </a:t>
+              <a:t>Ensure that you have the correct </a:t>
             </a:r>
             <a:r>
               <a:rPr lang="en-US" sz="1400" dirty="0" err="1" smtClean="0"/>
@@ -6080,11 +6074,7 @@
             </a:r>
             <a:r>
               <a:rPr lang="en-US" sz="1400" dirty="0" smtClean="0"/>
-              <a:t> path </a:t>
-            </a:r>
-            <a:r>
-              <a:rPr lang="en-US" sz="1400" dirty="0" smtClean="0"/>
-              <a:t>to your backend application</a:t>
+              <a:t> path to your backend application</a:t>
             </a:r>
             <a:endParaRPr lang="en-US" sz="1400" dirty="0"/>
           </a:p>
@@ -6508,11 +6498,7 @@
           <a:p>
             <a:r>
               <a:rPr lang="en-US" dirty="0" smtClean="0"/>
-              <a:t>Ensure </a:t>
-            </a:r>
-            <a:r>
-              <a:rPr lang="en-US" dirty="0" smtClean="0"/>
-              <a:t>that you have started </a:t>
+              <a:t>Ensure that you have started </a:t>
             </a:r>
             <a:r>
               <a:rPr lang="en-US" dirty="0" err="1" smtClean="0"/>
@@ -6816,8 +6802,8 @@
         </p:nvSpPr>
         <p:spPr>
           <a:xfrm>
-            <a:off x="540705" y="1576335"/>
-            <a:ext cx="7913182" cy="1477328"/>
+            <a:off x="540704" y="1576335"/>
+            <a:ext cx="8180601" cy="1477328"/>
           </a:xfrm>
           <a:prstGeom prst="rect">
             <a:avLst/>
@@ -6832,19 +6818,11 @@
           <a:p>
             <a:r>
               <a:rPr lang="en-US" dirty="0" smtClean="0"/>
-              <a:t>Ensure </a:t>
-            </a:r>
-            <a:r>
-              <a:rPr lang="en-US" dirty="0" smtClean="0"/>
-              <a:t>that you </a:t>
-            </a:r>
-            <a:r>
-              <a:rPr lang="en-US" dirty="0" smtClean="0"/>
-              <a:t>renamed </a:t>
-            </a:r>
-            <a:r>
-              <a:rPr lang="en-US" dirty="0" smtClean="0"/>
-              <a:t>the </a:t>
+              <a:t>Ensure that </a:t>
+            </a:r>
+            <a:r>
+              <a:rPr lang="en-US" dirty="0"/>
+              <a:t>you also renamed the </a:t>
             </a:r>
             <a:r>
               <a:rPr lang="en-US" dirty="0" smtClean="0"/>
@@ -10366,7 +10344,23 @@
             </a:r>
             <a:r>
               <a:rPr lang="en-US" dirty="0" smtClean="0"/>
-              <a:t>- What we need to remember to 		complete the HR App?</a:t>
+              <a:t>- What </a:t>
+            </a:r>
+            <a:r>
+              <a:rPr lang="en-US" dirty="0" smtClean="0"/>
+              <a:t>do we </a:t>
+            </a:r>
+            <a:r>
+              <a:rPr lang="en-US" dirty="0" smtClean="0"/>
+              <a:t>need to remember </a:t>
+            </a:r>
+            <a:r>
+              <a:rPr lang="en-US" dirty="0" smtClean="0"/>
+              <a:t>			to complete </a:t>
+            </a:r>
+            <a:r>
+              <a:rPr lang="en-US" dirty="0" smtClean="0"/>
+              <a:t>the HR App?</a:t>
             </a:r>
             <a:br>
               <a:rPr lang="en-US" dirty="0" smtClean="0"/>
@@ -10648,8 +10642,12 @@
           <a:lstStyle/>
           <a:p>
             <a:r>
+              <a:rPr lang="en-US" dirty="0" smtClean="0"/>
+              <a:t>What do </a:t>
+            </a:r>
+            <a:r>
               <a:rPr lang="en-US" dirty="0"/>
-              <a:t>What we need to remember to 		complete the HR </a:t>
+              <a:t>we need to remember to 		complete the HR </a:t>
             </a:r>
             <a:r>
               <a:rPr lang="en-US" dirty="0" smtClean="0"/>
@@ -17567,7 +17565,7 @@
         <p:spPr>
           <a:xfrm>
             <a:off x="873303" y="766826"/>
-            <a:ext cx="4146753" cy="593092"/>
+            <a:ext cx="4707988" cy="593092"/>
           </a:xfrm>
           <a:prstGeom prst="rect">
             <a:avLst/>
@@ -17598,12 +17596,8 @@
           </a:lstStyle>
           <a:p>
             <a:r>
-              <a:rPr lang="en-US" dirty="0"/>
-              <a:t>R</a:t>
-            </a:r>
-            <a:r>
               <a:rPr lang="en-US" dirty="0" smtClean="0"/>
-              <a:t>emember</a:t>
+              <a:t>Complete the application</a:t>
             </a:r>
             <a:endParaRPr lang="en-US" dirty="0"/>
           </a:p>
@@ -19341,12 +19335,12 @@
 </file>
 
 <file path=customXml/item1.xml><?xml version="1.0" encoding="utf-8"?>
-<p:properties xmlns:p="http://schemas.microsoft.com/office/2006/metadata/properties" xmlns:xsi="http://www.w3.org/2001/XMLSchema-instance" xmlns:pc="http://schemas.microsoft.com/office/infopath/2007/PartnerControls">
-  <documentManagement>
-    <PublishingExpirationDate xmlns="http://schemas.microsoft.com/sharepoint/v3" xsi:nil="true"/>
-    <PublishingStartDate xmlns="http://schemas.microsoft.com/sharepoint/v3" xsi:nil="true"/>
-  </documentManagement>
-</p:properties>
+<?mso-contentType ?>
+<FormTemplates xmlns="http://schemas.microsoft.com/sharepoint/v3/contenttype/forms">
+  <Display>DocumentLibraryForm</Display>
+  <Edit>DocumentLibraryForm</Edit>
+  <New>DocumentLibraryForm</New>
+</FormTemplates>
 </file>
 
 <file path=customXml/item2.xml><?xml version="1.0" encoding="utf-8"?>
@@ -19482,26 +19476,18 @@
 </file>
 
 <file path=customXml/item3.xml><?xml version="1.0" encoding="utf-8"?>
-<?mso-contentType ?>
-<FormTemplates xmlns="http://schemas.microsoft.com/sharepoint/v3/contenttype/forms">
-  <Display>DocumentLibraryForm</Display>
-  <Edit>DocumentLibraryForm</Edit>
-  <New>DocumentLibraryForm</New>
-</FormTemplates>
+<p:properties xmlns:p="http://schemas.microsoft.com/office/2006/metadata/properties" xmlns:xsi="http://www.w3.org/2001/XMLSchema-instance" xmlns:pc="http://schemas.microsoft.com/office/infopath/2007/PartnerControls">
+  <documentManagement>
+    <PublishingExpirationDate xmlns="http://schemas.microsoft.com/sharepoint/v3" xsi:nil="true"/>
+    <PublishingStartDate xmlns="http://schemas.microsoft.com/sharepoint/v3" xsi:nil="true"/>
+  </documentManagement>
+</p:properties>
 </file>
 
 <file path=customXml/itemProps1.xml><?xml version="1.0" encoding="utf-8"?>
-<ds:datastoreItem xmlns:ds="http://schemas.openxmlformats.org/officeDocument/2006/customXml" ds:itemID="{C1424CC9-255C-4972-B5F2-6F19B32F3DEA}">
+<ds:datastoreItem xmlns:ds="http://schemas.openxmlformats.org/officeDocument/2006/customXml" ds:itemID="{B3E8851E-A513-4DE1-BFEA-60B7444A3522}">
   <ds:schemaRefs>
-    <ds:schemaRef ds:uri="http://schemas.microsoft.com/sharepoint/v3"/>
-    <ds:schemaRef ds:uri="http://purl.org/dc/terms/"/>
-    <ds:schemaRef ds:uri="http://schemas.openxmlformats.org/package/2006/metadata/core-properties"/>
-    <ds:schemaRef ds:uri="http://purl.org/dc/elements/1.1/"/>
-    <ds:schemaRef ds:uri="http://schemas.microsoft.com/office/2006/documentManagement/types"/>
-    <ds:schemaRef ds:uri="http://www.w3.org/XML/1998/namespace"/>
-    <ds:schemaRef ds:uri="http://purl.org/dc/dcmitype/"/>
-    <ds:schemaRef ds:uri="http://schemas.microsoft.com/office/infopath/2007/PartnerControls"/>
-    <ds:schemaRef ds:uri="http://schemas.microsoft.com/office/2006/metadata/properties"/>
+    <ds:schemaRef ds:uri="http://schemas.microsoft.com/sharepoint/v3/contenttype/forms"/>
   </ds:schemaRefs>
 </ds:datastoreItem>
 </file>
@@ -19525,9 +19511,17 @@
 </file>
 
 <file path=customXml/itemProps3.xml><?xml version="1.0" encoding="utf-8"?>
-<ds:datastoreItem xmlns:ds="http://schemas.openxmlformats.org/officeDocument/2006/customXml" ds:itemID="{B3E8851E-A513-4DE1-BFEA-60B7444A3522}">
+<ds:datastoreItem xmlns:ds="http://schemas.openxmlformats.org/officeDocument/2006/customXml" ds:itemID="{C1424CC9-255C-4972-B5F2-6F19B32F3DEA}">
   <ds:schemaRefs>
-    <ds:schemaRef ds:uri="http://schemas.microsoft.com/sharepoint/v3/contenttype/forms"/>
+    <ds:schemaRef ds:uri="http://schemas.microsoft.com/sharepoint/v3"/>
+    <ds:schemaRef ds:uri="http://purl.org/dc/terms/"/>
+    <ds:schemaRef ds:uri="http://schemas.openxmlformats.org/package/2006/metadata/core-properties"/>
+    <ds:schemaRef ds:uri="http://purl.org/dc/elements/1.1/"/>
+    <ds:schemaRef ds:uri="http://schemas.microsoft.com/office/2006/documentManagement/types"/>
+    <ds:schemaRef ds:uri="http://www.w3.org/XML/1998/namespace"/>
+    <ds:schemaRef ds:uri="http://purl.org/dc/dcmitype/"/>
+    <ds:schemaRef ds:uri="http://schemas.microsoft.com/office/infopath/2007/PartnerControls"/>
+    <ds:schemaRef ds:uri="http://schemas.microsoft.com/office/2006/metadata/properties"/>
   </ds:schemaRefs>
 </ds:datastoreItem>
 </file>